--- a/Documentation/Research Paper/SYSADD Presentation.pptx
+++ b/Documentation/Research Paper/SYSADD Presentation.pptx
@@ -246,7 +246,7 @@
           <a:p>
             <a:fld id="{F1CEF2E9-17B4-484C-ABAA-8C715D79D306}" type="datetimeFigureOut">
               <a:rPr lang="en-PH" smtClean="0"/>
-              <a:t>24/10/2016</a:t>
+              <a:t>09/12/2016</a:t>
             </a:fld>
             <a:endParaRPr lang="en-PH"/>
           </a:p>
@@ -4657,7 +4657,7 @@
           <a:p>
             <a:fld id="{F07C20CE-7E6E-46AA-9B32-76D88BCAE5C9}" type="datetimeFigureOut">
               <a:rPr lang="en-PH" smtClean="0"/>
-              <a:t>24/10/2016</a:t>
+              <a:t>09/12/2016</a:t>
             </a:fld>
             <a:endParaRPr lang="en-PH"/>
           </a:p>
@@ -4827,7 +4827,7 @@
           <a:p>
             <a:fld id="{F07C20CE-7E6E-46AA-9B32-76D88BCAE5C9}" type="datetimeFigureOut">
               <a:rPr lang="en-PH" smtClean="0"/>
-              <a:t>24/10/2016</a:t>
+              <a:t>09/12/2016</a:t>
             </a:fld>
             <a:endParaRPr lang="en-PH"/>
           </a:p>
@@ -5007,7 +5007,7 @@
           <a:p>
             <a:fld id="{F07C20CE-7E6E-46AA-9B32-76D88BCAE5C9}" type="datetimeFigureOut">
               <a:rPr lang="en-PH" smtClean="0"/>
-              <a:t>24/10/2016</a:t>
+              <a:t>09/12/2016</a:t>
             </a:fld>
             <a:endParaRPr lang="en-PH"/>
           </a:p>
@@ -5177,7 +5177,7 @@
           <a:p>
             <a:fld id="{F07C20CE-7E6E-46AA-9B32-76D88BCAE5C9}" type="datetimeFigureOut">
               <a:rPr lang="en-PH" smtClean="0"/>
-              <a:t>24/10/2016</a:t>
+              <a:t>09/12/2016</a:t>
             </a:fld>
             <a:endParaRPr lang="en-PH"/>
           </a:p>
@@ -5423,7 +5423,7 @@
           <a:p>
             <a:fld id="{F07C20CE-7E6E-46AA-9B32-76D88BCAE5C9}" type="datetimeFigureOut">
               <a:rPr lang="en-PH" smtClean="0"/>
-              <a:t>24/10/2016</a:t>
+              <a:t>09/12/2016</a:t>
             </a:fld>
             <a:endParaRPr lang="en-PH"/>
           </a:p>
@@ -5655,7 +5655,7 @@
           <a:p>
             <a:fld id="{F07C20CE-7E6E-46AA-9B32-76D88BCAE5C9}" type="datetimeFigureOut">
               <a:rPr lang="en-PH" smtClean="0"/>
-              <a:t>24/10/2016</a:t>
+              <a:t>09/12/2016</a:t>
             </a:fld>
             <a:endParaRPr lang="en-PH"/>
           </a:p>
@@ -6022,7 +6022,7 @@
           <a:p>
             <a:fld id="{F07C20CE-7E6E-46AA-9B32-76D88BCAE5C9}" type="datetimeFigureOut">
               <a:rPr lang="en-PH" smtClean="0"/>
-              <a:t>24/10/2016</a:t>
+              <a:t>09/12/2016</a:t>
             </a:fld>
             <a:endParaRPr lang="en-PH"/>
           </a:p>
@@ -6140,7 +6140,7 @@
           <a:p>
             <a:fld id="{F07C20CE-7E6E-46AA-9B32-76D88BCAE5C9}" type="datetimeFigureOut">
               <a:rPr lang="en-PH" smtClean="0"/>
-              <a:t>24/10/2016</a:t>
+              <a:t>09/12/2016</a:t>
             </a:fld>
             <a:endParaRPr lang="en-PH"/>
           </a:p>
@@ -6235,7 +6235,7 @@
           <a:p>
             <a:fld id="{F07C20CE-7E6E-46AA-9B32-76D88BCAE5C9}" type="datetimeFigureOut">
               <a:rPr lang="en-PH" smtClean="0"/>
-              <a:t>24/10/2016</a:t>
+              <a:t>09/12/2016</a:t>
             </a:fld>
             <a:endParaRPr lang="en-PH"/>
           </a:p>
@@ -6512,7 +6512,7 @@
           <a:p>
             <a:fld id="{F07C20CE-7E6E-46AA-9B32-76D88BCAE5C9}" type="datetimeFigureOut">
               <a:rPr lang="en-PH" smtClean="0"/>
-              <a:t>24/10/2016</a:t>
+              <a:t>09/12/2016</a:t>
             </a:fld>
             <a:endParaRPr lang="en-PH"/>
           </a:p>
@@ -6765,7 +6765,7 @@
           <a:p>
             <a:fld id="{F07C20CE-7E6E-46AA-9B32-76D88BCAE5C9}" type="datetimeFigureOut">
               <a:rPr lang="en-PH" smtClean="0"/>
-              <a:t>24/10/2016</a:t>
+              <a:t>09/12/2016</a:t>
             </a:fld>
             <a:endParaRPr lang="en-PH"/>
           </a:p>
@@ -6978,7 +6978,7 @@
           <a:p>
             <a:fld id="{F07C20CE-7E6E-46AA-9B32-76D88BCAE5C9}" type="datetimeFigureOut">
               <a:rPr lang="en-PH" smtClean="0"/>
-              <a:t>24/10/2016</a:t>
+              <a:t>09/12/2016</a:t>
             </a:fld>
             <a:endParaRPr lang="en-PH"/>
           </a:p>
@@ -14734,7 +14734,7 @@
                   </a:extLst>
                 </a:gridCol>
               </a:tblGrid>
-              <a:tr h="182245">
+              <a:tr h="410210">
                 <a:tc>
                   <a:txBody>
                     <a:bodyPr/>
@@ -14880,7 +14880,7 @@
                   </a:ext>
                 </a:extLst>
               </a:tr>
-              <a:tr h="182245">
+              <a:tr h="207010">
                 <a:tc>
                   <a:txBody>
                     <a:bodyPr/>
@@ -15005,7 +15005,7 @@
                   </a:ext>
                 </a:extLst>
               </a:tr>
-              <a:tr h="182245">
+              <a:tr h="207010">
                 <a:tc>
                   <a:txBody>
                     <a:bodyPr/>
@@ -15130,7 +15130,7 @@
                   </a:ext>
                 </a:extLst>
               </a:tr>
-              <a:tr h="182245">
+              <a:tr h="207010">
                 <a:tc>
                   <a:txBody>
                     <a:bodyPr/>
@@ -15255,7 +15255,7 @@
                   </a:ext>
                 </a:extLst>
               </a:tr>
-              <a:tr h="182245">
+              <a:tr h="207010">
                 <a:tc>
                   <a:txBody>
                     <a:bodyPr/>
@@ -15380,7 +15380,7 @@
                   </a:ext>
                 </a:extLst>
               </a:tr>
-              <a:tr h="182245">
+              <a:tr h="207010">
                 <a:tc>
                   <a:txBody>
                     <a:bodyPr/>
@@ -15505,7 +15505,7 @@
                   </a:ext>
                 </a:extLst>
               </a:tr>
-              <a:tr h="182245">
+              <a:tr h="207010">
                 <a:tc>
                   <a:txBody>
                     <a:bodyPr/>
@@ -15630,7 +15630,7 @@
                   </a:ext>
                 </a:extLst>
               </a:tr>
-              <a:tr h="182245">
+              <a:tr h="207010">
                 <a:tc>
                   <a:txBody>
                     <a:bodyPr/>

--- a/Documentation/Research Paper/SYSADD Presentation.pptx
+++ b/Documentation/Research Paper/SYSADD Presentation.pptx
@@ -246,7 +246,7 @@
           <a:p>
             <a:fld id="{F1CEF2E9-17B4-484C-ABAA-8C715D79D306}" type="datetimeFigureOut">
               <a:rPr lang="en-PH" smtClean="0"/>
-              <a:t>09/12/2016</a:t>
+              <a:t>11/12/2016</a:t>
             </a:fld>
             <a:endParaRPr lang="en-PH"/>
           </a:p>
@@ -4657,7 +4657,7 @@
           <a:p>
             <a:fld id="{F07C20CE-7E6E-46AA-9B32-76D88BCAE5C9}" type="datetimeFigureOut">
               <a:rPr lang="en-PH" smtClean="0"/>
-              <a:t>09/12/2016</a:t>
+              <a:t>11/12/2016</a:t>
             </a:fld>
             <a:endParaRPr lang="en-PH"/>
           </a:p>
@@ -4827,7 +4827,7 @@
           <a:p>
             <a:fld id="{F07C20CE-7E6E-46AA-9B32-76D88BCAE5C9}" type="datetimeFigureOut">
               <a:rPr lang="en-PH" smtClean="0"/>
-              <a:t>09/12/2016</a:t>
+              <a:t>11/12/2016</a:t>
             </a:fld>
             <a:endParaRPr lang="en-PH"/>
           </a:p>
@@ -5007,7 +5007,7 @@
           <a:p>
             <a:fld id="{F07C20CE-7E6E-46AA-9B32-76D88BCAE5C9}" type="datetimeFigureOut">
               <a:rPr lang="en-PH" smtClean="0"/>
-              <a:t>09/12/2016</a:t>
+              <a:t>11/12/2016</a:t>
             </a:fld>
             <a:endParaRPr lang="en-PH"/>
           </a:p>
@@ -5177,7 +5177,7 @@
           <a:p>
             <a:fld id="{F07C20CE-7E6E-46AA-9B32-76D88BCAE5C9}" type="datetimeFigureOut">
               <a:rPr lang="en-PH" smtClean="0"/>
-              <a:t>09/12/2016</a:t>
+              <a:t>11/12/2016</a:t>
             </a:fld>
             <a:endParaRPr lang="en-PH"/>
           </a:p>
@@ -5423,7 +5423,7 @@
           <a:p>
             <a:fld id="{F07C20CE-7E6E-46AA-9B32-76D88BCAE5C9}" type="datetimeFigureOut">
               <a:rPr lang="en-PH" smtClean="0"/>
-              <a:t>09/12/2016</a:t>
+              <a:t>11/12/2016</a:t>
             </a:fld>
             <a:endParaRPr lang="en-PH"/>
           </a:p>
@@ -5655,7 +5655,7 @@
           <a:p>
             <a:fld id="{F07C20CE-7E6E-46AA-9B32-76D88BCAE5C9}" type="datetimeFigureOut">
               <a:rPr lang="en-PH" smtClean="0"/>
-              <a:t>09/12/2016</a:t>
+              <a:t>11/12/2016</a:t>
             </a:fld>
             <a:endParaRPr lang="en-PH"/>
           </a:p>
@@ -6022,7 +6022,7 @@
           <a:p>
             <a:fld id="{F07C20CE-7E6E-46AA-9B32-76D88BCAE5C9}" type="datetimeFigureOut">
               <a:rPr lang="en-PH" smtClean="0"/>
-              <a:t>09/12/2016</a:t>
+              <a:t>11/12/2016</a:t>
             </a:fld>
             <a:endParaRPr lang="en-PH"/>
           </a:p>
@@ -6140,7 +6140,7 @@
           <a:p>
             <a:fld id="{F07C20CE-7E6E-46AA-9B32-76D88BCAE5C9}" type="datetimeFigureOut">
               <a:rPr lang="en-PH" smtClean="0"/>
-              <a:t>09/12/2016</a:t>
+              <a:t>11/12/2016</a:t>
             </a:fld>
             <a:endParaRPr lang="en-PH"/>
           </a:p>
@@ -6235,7 +6235,7 @@
           <a:p>
             <a:fld id="{F07C20CE-7E6E-46AA-9B32-76D88BCAE5C9}" type="datetimeFigureOut">
               <a:rPr lang="en-PH" smtClean="0"/>
-              <a:t>09/12/2016</a:t>
+              <a:t>11/12/2016</a:t>
             </a:fld>
             <a:endParaRPr lang="en-PH"/>
           </a:p>
@@ -6512,7 +6512,7 @@
           <a:p>
             <a:fld id="{F07C20CE-7E6E-46AA-9B32-76D88BCAE5C9}" type="datetimeFigureOut">
               <a:rPr lang="en-PH" smtClean="0"/>
-              <a:t>09/12/2016</a:t>
+              <a:t>11/12/2016</a:t>
             </a:fld>
             <a:endParaRPr lang="en-PH"/>
           </a:p>
@@ -6765,7 +6765,7 @@
           <a:p>
             <a:fld id="{F07C20CE-7E6E-46AA-9B32-76D88BCAE5C9}" type="datetimeFigureOut">
               <a:rPr lang="en-PH" smtClean="0"/>
-              <a:t>09/12/2016</a:t>
+              <a:t>11/12/2016</a:t>
             </a:fld>
             <a:endParaRPr lang="en-PH"/>
           </a:p>
@@ -6978,7 +6978,7 @@
           <a:p>
             <a:fld id="{F07C20CE-7E6E-46AA-9B32-76D88BCAE5C9}" type="datetimeFigureOut">
               <a:rPr lang="en-PH" smtClean="0"/>
-              <a:t>09/12/2016</a:t>
+              <a:t>11/12/2016</a:t>
             </a:fld>
             <a:endParaRPr lang="en-PH"/>
           </a:p>
@@ -18196,7 +18196,15 @@
             </a:r>
             <a:r>
               <a:rPr lang="en-PH" dirty="0"/>
-              <a:t> Marlon Garcia, the head of the technical support team, admitted that aside from the three official servers that was authorized by the COMELEC (namely , namely the Municipal Board of Canvassing Server, Central Server, and the Transparency server), there was also a “meet-me room” where several servers were housed.</a:t>
+              <a:t> Marlon Garcia, the head of the technical support team, admitted that aside from the three official servers that was authorized by the </a:t>
+            </a:r>
+            <a:r>
+              <a:rPr lang="en-PH"/>
+              <a:t>COMELEC (namely </a:t>
+            </a:r>
+            <a:r>
+              <a:rPr lang="en-PH" dirty="0"/>
+              <a:t>the Municipal Board of Canvassing Server, Central Server, and the Transparency server), there was also a “meet-me room” where several servers were housed.</a:t>
             </a:r>
           </a:p>
           <a:p>
